--- a/Technology.pptx
+++ b/Technology.pptx
@@ -3042,21 +3042,39 @@
               <a:rPr lang="en-US" altLang="zh-CN" b="1" dirty="0" smtClean="0">
                 <a:latin typeface="Consolas" panose="020B0609020204030204" pitchFamily="49" charset="0"/>
               </a:rPr>
-              <a:t>Project【</a:t>
+              <a:t>Project</a:t>
+            </a:r>
+            <a:r>
+              <a:rPr lang="en-US" altLang="zh-CN" b="1" dirty="0" smtClean="0">
+                <a:solidFill>
+                  <a:srgbClr val="FF0000"/>
+                </a:solidFill>
+                <a:latin typeface="Consolas" panose="020B0609020204030204" pitchFamily="49" charset="0"/>
+              </a:rPr>
+              <a:t>【</a:t>
             </a:r>
             <a:r>
               <a:rPr lang="zh-CN" altLang="en-US" b="1" dirty="0" smtClean="0">
+                <a:solidFill>
+                  <a:srgbClr val="FF0000"/>
+                </a:solidFill>
                 <a:latin typeface="Consolas" panose="020B0609020204030204" pitchFamily="49" charset="0"/>
               </a:rPr>
               <a:t>不可点击</a:t>
             </a:r>
             <a:r>
               <a:rPr lang="en-US" altLang="zh-CN" b="1" dirty="0" smtClean="0">
+                <a:solidFill>
+                  <a:srgbClr val="FF0000"/>
+                </a:solidFill>
                 <a:latin typeface="Consolas" panose="020B0609020204030204" pitchFamily="49" charset="0"/>
               </a:rPr>
               <a:t>】</a:t>
             </a:r>
             <a:endParaRPr lang="en-US" altLang="zh-CN" b="1" dirty="0" smtClean="0">
+              <a:solidFill>
+                <a:srgbClr val="FF0000"/>
+              </a:solidFill>
               <a:latin typeface="Consolas" panose="020B0609020204030204" pitchFamily="49" charset="0"/>
             </a:endParaRPr>
           </a:p>
@@ -3071,21 +3089,39 @@
               <a:rPr lang="en-US" altLang="zh-CN" b="1" dirty="0" smtClean="0">
                 <a:latin typeface="Consolas" panose="020B0609020204030204" pitchFamily="49" charset="0"/>
               </a:rPr>
-              <a:t>Geo1【</a:t>
+              <a:t>Geo1</a:t>
+            </a:r>
+            <a:r>
+              <a:rPr lang="en-US" altLang="zh-CN" b="1" dirty="0" smtClean="0">
+                <a:solidFill>
+                  <a:srgbClr val="FF0000"/>
+                </a:solidFill>
+                <a:latin typeface="Consolas" panose="020B0609020204030204" pitchFamily="49" charset="0"/>
+              </a:rPr>
+              <a:t>【</a:t>
             </a:r>
             <a:r>
               <a:rPr lang="zh-CN" altLang="en-US" b="1" dirty="0" smtClean="0">
+                <a:solidFill>
+                  <a:srgbClr val="FF0000"/>
+                </a:solidFill>
                 <a:latin typeface="Consolas" panose="020B0609020204030204" pitchFamily="49" charset="0"/>
               </a:rPr>
               <a:t>工程设置</a:t>
             </a:r>
             <a:r>
               <a:rPr lang="en-US" altLang="zh-CN" b="1" dirty="0" smtClean="0">
+                <a:solidFill>
+                  <a:srgbClr val="FF0000"/>
+                </a:solidFill>
                 <a:latin typeface="Consolas" panose="020B0609020204030204" pitchFamily="49" charset="0"/>
               </a:rPr>
               <a:t>】</a:t>
             </a:r>
             <a:endParaRPr lang="en-US" altLang="zh-CN" b="1" dirty="0" smtClean="0">
+              <a:solidFill>
+                <a:srgbClr val="FF0000"/>
+              </a:solidFill>
               <a:latin typeface="Consolas" panose="020B0609020204030204" pitchFamily="49" charset="0"/>
             </a:endParaRPr>
           </a:p>
